--- a/Рисунки.pptx
+++ b/Рисунки.pptx
@@ -12,6 +12,7 @@
     <p:sldId id="259" r:id="rId6"/>
     <p:sldId id="261" r:id="rId7"/>
     <p:sldId id="262" r:id="rId8"/>
+    <p:sldId id="263" r:id="rId9"/>
   </p:sldIdLst>
   <p:sldSz cx="12192000" cy="6858000"/>
   <p:notesSz cx="6858000" cy="9144000"/>
@@ -249,7 +250,7 @@
           <a:p>
             <a:fld id="{1473C8CC-EF5C-4DCD-B5FE-A6B88619D782}" type="datetimeFigureOut">
               <a:rPr lang="ru-RU" smtClean="0"/>
-              <a:t>03.03.2021</a:t>
+              <a:t>08.04.2021</a:t>
             </a:fld>
             <a:endParaRPr lang="ru-RU"/>
           </a:p>
@@ -419,7 +420,7 @@
           <a:p>
             <a:fld id="{1473C8CC-EF5C-4DCD-B5FE-A6B88619D782}" type="datetimeFigureOut">
               <a:rPr lang="ru-RU" smtClean="0"/>
-              <a:t>03.03.2021</a:t>
+              <a:t>08.04.2021</a:t>
             </a:fld>
             <a:endParaRPr lang="ru-RU"/>
           </a:p>
@@ -599,7 +600,7 @@
           <a:p>
             <a:fld id="{1473C8CC-EF5C-4DCD-B5FE-A6B88619D782}" type="datetimeFigureOut">
               <a:rPr lang="ru-RU" smtClean="0"/>
-              <a:t>03.03.2021</a:t>
+              <a:t>08.04.2021</a:t>
             </a:fld>
             <a:endParaRPr lang="ru-RU"/>
           </a:p>
@@ -769,7 +770,7 @@
           <a:p>
             <a:fld id="{1473C8CC-EF5C-4DCD-B5FE-A6B88619D782}" type="datetimeFigureOut">
               <a:rPr lang="ru-RU" smtClean="0"/>
-              <a:t>03.03.2021</a:t>
+              <a:t>08.04.2021</a:t>
             </a:fld>
             <a:endParaRPr lang="ru-RU"/>
           </a:p>
@@ -1015,7 +1016,7 @@
           <a:p>
             <a:fld id="{1473C8CC-EF5C-4DCD-B5FE-A6B88619D782}" type="datetimeFigureOut">
               <a:rPr lang="ru-RU" smtClean="0"/>
-              <a:t>03.03.2021</a:t>
+              <a:t>08.04.2021</a:t>
             </a:fld>
             <a:endParaRPr lang="ru-RU"/>
           </a:p>
@@ -1247,7 +1248,7 @@
           <a:p>
             <a:fld id="{1473C8CC-EF5C-4DCD-B5FE-A6B88619D782}" type="datetimeFigureOut">
               <a:rPr lang="ru-RU" smtClean="0"/>
-              <a:t>03.03.2021</a:t>
+              <a:t>08.04.2021</a:t>
             </a:fld>
             <a:endParaRPr lang="ru-RU"/>
           </a:p>
@@ -1614,7 +1615,7 @@
           <a:p>
             <a:fld id="{1473C8CC-EF5C-4DCD-B5FE-A6B88619D782}" type="datetimeFigureOut">
               <a:rPr lang="ru-RU" smtClean="0"/>
-              <a:t>03.03.2021</a:t>
+              <a:t>08.04.2021</a:t>
             </a:fld>
             <a:endParaRPr lang="ru-RU"/>
           </a:p>
@@ -1732,7 +1733,7 @@
           <a:p>
             <a:fld id="{1473C8CC-EF5C-4DCD-B5FE-A6B88619D782}" type="datetimeFigureOut">
               <a:rPr lang="ru-RU" smtClean="0"/>
-              <a:t>03.03.2021</a:t>
+              <a:t>08.04.2021</a:t>
             </a:fld>
             <a:endParaRPr lang="ru-RU"/>
           </a:p>
@@ -1827,7 +1828,7 @@
           <a:p>
             <a:fld id="{1473C8CC-EF5C-4DCD-B5FE-A6B88619D782}" type="datetimeFigureOut">
               <a:rPr lang="ru-RU" smtClean="0"/>
-              <a:t>03.03.2021</a:t>
+              <a:t>08.04.2021</a:t>
             </a:fld>
             <a:endParaRPr lang="ru-RU"/>
           </a:p>
@@ -2104,7 +2105,7 @@
           <a:p>
             <a:fld id="{1473C8CC-EF5C-4DCD-B5FE-A6B88619D782}" type="datetimeFigureOut">
               <a:rPr lang="ru-RU" smtClean="0"/>
-              <a:t>03.03.2021</a:t>
+              <a:t>08.04.2021</a:t>
             </a:fld>
             <a:endParaRPr lang="ru-RU"/>
           </a:p>
@@ -2357,7 +2358,7 @@
           <a:p>
             <a:fld id="{1473C8CC-EF5C-4DCD-B5FE-A6B88619D782}" type="datetimeFigureOut">
               <a:rPr lang="ru-RU" smtClean="0"/>
-              <a:t>03.03.2021</a:t>
+              <a:t>08.04.2021</a:t>
             </a:fld>
             <a:endParaRPr lang="ru-RU"/>
           </a:p>
@@ -2570,7 +2571,7 @@
           <a:p>
             <a:fld id="{1473C8CC-EF5C-4DCD-B5FE-A6B88619D782}" type="datetimeFigureOut">
               <a:rPr lang="ru-RU" smtClean="0"/>
-              <a:t>03.03.2021</a:t>
+              <a:t>08.04.2021</a:t>
             </a:fld>
             <a:endParaRPr lang="ru-RU"/>
           </a:p>
@@ -7796,6 +7797,641 @@
     <p:extLst>
       <p:ext uri="{BB962C8B-B14F-4D97-AF65-F5344CB8AC3E}">
         <p14:creationId xmlns:p14="http://schemas.microsoft.com/office/powerpoint/2010/main" val="1300987506"/>
+      </p:ext>
+    </p:extLst>
+  </p:cSld>
+  <p:clrMapOvr>
+    <a:masterClrMapping/>
+  </p:clrMapOvr>
+</p:sld>
+</file>
+
+<file path=ppt/slides/slide8.xml><?xml version="1.0" encoding="utf-8"?>
+<p:sld xmlns:a="http://schemas.openxmlformats.org/drawingml/2006/main" xmlns:r="http://schemas.openxmlformats.org/officeDocument/2006/relationships" xmlns:p="http://schemas.openxmlformats.org/presentationml/2006/main">
+  <p:cSld>
+    <p:spTree>
+      <p:nvGrpSpPr>
+        <p:cNvPr id="1" name=""/>
+        <p:cNvGrpSpPr/>
+        <p:nvPr/>
+      </p:nvGrpSpPr>
+      <p:grpSpPr>
+        <a:xfrm>
+          <a:off x="0" y="0"/>
+          <a:ext cx="0" cy="0"/>
+          <a:chOff x="0" y="0"/>
+          <a:chExt cx="0" cy="0"/>
+        </a:xfrm>
+      </p:grpSpPr>
+      <p:sp>
+        <p:nvSpPr>
+          <p:cNvPr id="2" name="Овал 1"/>
+          <p:cNvSpPr/>
+          <p:nvPr/>
+        </p:nvSpPr>
+        <p:spPr>
+          <a:xfrm>
+            <a:off x="3416530" y="266007"/>
+            <a:ext cx="2734887" cy="1305098"/>
+          </a:xfrm>
+          <a:prstGeom prst="ellipse">
+            <a:avLst/>
+          </a:prstGeom>
+        </p:spPr>
+        <p:style>
+          <a:lnRef idx="2">
+            <a:schemeClr val="dk1"/>
+          </a:lnRef>
+          <a:fillRef idx="1">
+            <a:schemeClr val="lt1"/>
+          </a:fillRef>
+          <a:effectRef idx="0">
+            <a:schemeClr val="dk1"/>
+          </a:effectRef>
+          <a:fontRef idx="minor">
+            <a:schemeClr val="dk1"/>
+          </a:fontRef>
+        </p:style>
+        <p:txBody>
+          <a:bodyPr rtlCol="0" anchor="ctr"/>
+          <a:lstStyle/>
+          <a:p>
+            <a:pPr algn="ctr"/>
+            <a:r>
+              <a:rPr lang="ru-RU" dirty="0" smtClean="0"/>
+              <a:t>Пользователь</a:t>
+            </a:r>
+          </a:p>
+          <a:p>
+            <a:pPr algn="ctr"/>
+            <a:r>
+              <a:rPr lang="ru-RU" dirty="0" smtClean="0"/>
+              <a:t>Уровень 1 (Администратор)</a:t>
+            </a:r>
+            <a:endParaRPr lang="ru-RU" dirty="0"/>
+          </a:p>
+        </p:txBody>
+      </p:sp>
+      <p:sp>
+        <p:nvSpPr>
+          <p:cNvPr id="4" name="Овал 3"/>
+          <p:cNvSpPr/>
+          <p:nvPr/>
+        </p:nvSpPr>
+        <p:spPr>
+          <a:xfrm>
+            <a:off x="7168341" y="266007"/>
+            <a:ext cx="2734887" cy="1305098"/>
+          </a:xfrm>
+          <a:prstGeom prst="ellipse">
+            <a:avLst/>
+          </a:prstGeom>
+        </p:spPr>
+        <p:style>
+          <a:lnRef idx="2">
+            <a:schemeClr val="dk1"/>
+          </a:lnRef>
+          <a:fillRef idx="1">
+            <a:schemeClr val="lt1"/>
+          </a:fillRef>
+          <a:effectRef idx="0">
+            <a:schemeClr val="dk1"/>
+          </a:effectRef>
+          <a:fontRef idx="minor">
+            <a:schemeClr val="dk1"/>
+          </a:fontRef>
+        </p:style>
+        <p:txBody>
+          <a:bodyPr rtlCol="0" anchor="ctr"/>
+          <a:lstStyle/>
+          <a:p>
+            <a:pPr algn="ctr"/>
+            <a:r>
+              <a:rPr lang="ru-RU" dirty="0" smtClean="0"/>
+              <a:t>Пользователь</a:t>
+            </a:r>
+          </a:p>
+          <a:p>
+            <a:pPr algn="ctr"/>
+            <a:r>
+              <a:rPr lang="ru-RU" dirty="0" smtClean="0"/>
+              <a:t>Уровень 2 (Сотрудник)</a:t>
+            </a:r>
+            <a:endParaRPr lang="ru-RU" dirty="0"/>
+          </a:p>
+        </p:txBody>
+      </p:sp>
+      <p:sp>
+        <p:nvSpPr>
+          <p:cNvPr id="5" name="Скругленный прямоугольник 4"/>
+          <p:cNvSpPr/>
+          <p:nvPr/>
+        </p:nvSpPr>
+        <p:spPr>
+          <a:xfrm>
+            <a:off x="7621383" y="2618506"/>
+            <a:ext cx="1828801" cy="847899"/>
+          </a:xfrm>
+          <a:prstGeom prst="roundRect">
+            <a:avLst/>
+          </a:prstGeom>
+        </p:spPr>
+        <p:style>
+          <a:lnRef idx="2">
+            <a:schemeClr val="dk1"/>
+          </a:lnRef>
+          <a:fillRef idx="1">
+            <a:schemeClr val="lt1"/>
+          </a:fillRef>
+          <a:effectRef idx="0">
+            <a:schemeClr val="dk1"/>
+          </a:effectRef>
+          <a:fontRef idx="minor">
+            <a:schemeClr val="dk1"/>
+          </a:fontRef>
+        </p:style>
+        <p:txBody>
+          <a:bodyPr rtlCol="0" anchor="ctr"/>
+          <a:lstStyle/>
+          <a:p>
+            <a:pPr algn="ctr"/>
+            <a:r>
+              <a:rPr lang="ru-RU" dirty="0" smtClean="0"/>
+              <a:t>Авторизация</a:t>
+            </a:r>
+            <a:endParaRPr lang="ru-RU" dirty="0"/>
+          </a:p>
+        </p:txBody>
+      </p:sp>
+      <p:sp>
+        <p:nvSpPr>
+          <p:cNvPr id="6" name="Скругленный прямоугольник 5"/>
+          <p:cNvSpPr/>
+          <p:nvPr/>
+        </p:nvSpPr>
+        <p:spPr>
+          <a:xfrm>
+            <a:off x="7621383" y="3857102"/>
+            <a:ext cx="1828801" cy="847899"/>
+          </a:xfrm>
+          <a:prstGeom prst="roundRect">
+            <a:avLst/>
+          </a:prstGeom>
+        </p:spPr>
+        <p:style>
+          <a:lnRef idx="2">
+            <a:schemeClr val="dk1"/>
+          </a:lnRef>
+          <a:fillRef idx="1">
+            <a:schemeClr val="lt1"/>
+          </a:fillRef>
+          <a:effectRef idx="0">
+            <a:schemeClr val="dk1"/>
+          </a:effectRef>
+          <a:fontRef idx="minor">
+            <a:schemeClr val="dk1"/>
+          </a:fontRef>
+        </p:style>
+        <p:txBody>
+          <a:bodyPr rtlCol="0" anchor="ctr"/>
+          <a:lstStyle/>
+          <a:p>
+            <a:pPr algn="ctr"/>
+            <a:r>
+              <a:rPr lang="ru-RU" dirty="0" smtClean="0"/>
+              <a:t>Просмотр данных по критериям</a:t>
+            </a:r>
+            <a:endParaRPr lang="ru-RU" dirty="0"/>
+          </a:p>
+        </p:txBody>
+      </p:sp>
+      <p:sp>
+        <p:nvSpPr>
+          <p:cNvPr id="7" name="Скругленный прямоугольник 6"/>
+          <p:cNvSpPr/>
+          <p:nvPr/>
+        </p:nvSpPr>
+        <p:spPr>
+          <a:xfrm>
+            <a:off x="3869572" y="3857102"/>
+            <a:ext cx="1828801" cy="847899"/>
+          </a:xfrm>
+          <a:prstGeom prst="roundRect">
+            <a:avLst/>
+          </a:prstGeom>
+        </p:spPr>
+        <p:style>
+          <a:lnRef idx="2">
+            <a:schemeClr val="dk1"/>
+          </a:lnRef>
+          <a:fillRef idx="1">
+            <a:schemeClr val="lt1"/>
+          </a:fillRef>
+          <a:effectRef idx="0">
+            <a:schemeClr val="dk1"/>
+          </a:effectRef>
+          <a:fontRef idx="minor">
+            <a:schemeClr val="dk1"/>
+          </a:fontRef>
+        </p:style>
+        <p:txBody>
+          <a:bodyPr rtlCol="0" anchor="ctr"/>
+          <a:lstStyle/>
+          <a:p>
+            <a:pPr algn="ctr"/>
+            <a:r>
+              <a:rPr lang="ru-RU" dirty="0" smtClean="0"/>
+              <a:t>Добавление данных</a:t>
+            </a:r>
+            <a:endParaRPr lang="ru-RU" dirty="0"/>
+          </a:p>
+        </p:txBody>
+      </p:sp>
+      <p:sp>
+        <p:nvSpPr>
+          <p:cNvPr id="9" name="Скругленный прямоугольник 8"/>
+          <p:cNvSpPr/>
+          <p:nvPr/>
+        </p:nvSpPr>
+        <p:spPr>
+          <a:xfrm>
+            <a:off x="3869572" y="2618506"/>
+            <a:ext cx="1828801" cy="847899"/>
+          </a:xfrm>
+          <a:prstGeom prst="roundRect">
+            <a:avLst/>
+          </a:prstGeom>
+        </p:spPr>
+        <p:style>
+          <a:lnRef idx="2">
+            <a:schemeClr val="dk1"/>
+          </a:lnRef>
+          <a:fillRef idx="1">
+            <a:schemeClr val="lt1"/>
+          </a:fillRef>
+          <a:effectRef idx="0">
+            <a:schemeClr val="dk1"/>
+          </a:effectRef>
+          <a:fontRef idx="minor">
+            <a:schemeClr val="dk1"/>
+          </a:fontRef>
+        </p:style>
+        <p:txBody>
+          <a:bodyPr rtlCol="0" anchor="ctr"/>
+          <a:lstStyle/>
+          <a:p>
+            <a:pPr algn="ctr"/>
+            <a:r>
+              <a:rPr lang="ru-RU" dirty="0" smtClean="0"/>
+              <a:t>Регистрация новых пользователей</a:t>
+            </a:r>
+            <a:endParaRPr lang="ru-RU" dirty="0"/>
+          </a:p>
+        </p:txBody>
+      </p:sp>
+      <p:cxnSp>
+        <p:nvCxnSpPr>
+          <p:cNvPr id="11" name="Прямая соединительная линия 10"/>
+          <p:cNvCxnSpPr>
+            <a:stCxn id="4" idx="4"/>
+            <a:endCxn id="5" idx="0"/>
+          </p:cNvCxnSpPr>
+          <p:nvPr/>
+        </p:nvCxnSpPr>
+        <p:spPr>
+          <a:xfrm flipH="1">
+            <a:off x="8535784" y="1571105"/>
+            <a:ext cx="1" cy="1047401"/>
+          </a:xfrm>
+          <a:prstGeom prst="line">
+            <a:avLst/>
+          </a:prstGeom>
+        </p:spPr>
+        <p:style>
+          <a:lnRef idx="1">
+            <a:schemeClr val="dk1"/>
+          </a:lnRef>
+          <a:fillRef idx="0">
+            <a:schemeClr val="dk1"/>
+          </a:fillRef>
+          <a:effectRef idx="0">
+            <a:schemeClr val="dk1"/>
+          </a:effectRef>
+          <a:fontRef idx="minor">
+            <a:schemeClr val="tx1"/>
+          </a:fontRef>
+        </p:style>
+      </p:cxnSp>
+      <p:cxnSp>
+        <p:nvCxnSpPr>
+          <p:cNvPr id="14" name="Прямая соединительная линия 13"/>
+          <p:cNvCxnSpPr>
+            <a:stCxn id="4" idx="4"/>
+          </p:cNvCxnSpPr>
+          <p:nvPr/>
+        </p:nvCxnSpPr>
+        <p:spPr>
+          <a:xfrm flipH="1">
+            <a:off x="8535784" y="1571105"/>
+            <a:ext cx="1" cy="1047401"/>
+          </a:xfrm>
+          <a:prstGeom prst="line">
+            <a:avLst/>
+          </a:prstGeom>
+        </p:spPr>
+        <p:style>
+          <a:lnRef idx="1">
+            <a:schemeClr val="dk1"/>
+          </a:lnRef>
+          <a:fillRef idx="0">
+            <a:schemeClr val="dk1"/>
+          </a:fillRef>
+          <a:effectRef idx="0">
+            <a:schemeClr val="dk1"/>
+          </a:effectRef>
+          <a:fontRef idx="minor">
+            <a:schemeClr val="tx1"/>
+          </a:fontRef>
+        </p:style>
+      </p:cxnSp>
+      <p:cxnSp>
+        <p:nvCxnSpPr>
+          <p:cNvPr id="17" name="Прямая соединительная линия 16"/>
+          <p:cNvCxnSpPr/>
+          <p:nvPr/>
+        </p:nvCxnSpPr>
+        <p:spPr>
+          <a:xfrm flipH="1">
+            <a:off x="4783972" y="1571105"/>
+            <a:ext cx="1" cy="1047401"/>
+          </a:xfrm>
+          <a:prstGeom prst="line">
+            <a:avLst/>
+          </a:prstGeom>
+        </p:spPr>
+        <p:style>
+          <a:lnRef idx="1">
+            <a:schemeClr val="dk1"/>
+          </a:lnRef>
+          <a:fillRef idx="0">
+            <a:schemeClr val="dk1"/>
+          </a:fillRef>
+          <a:effectRef idx="0">
+            <a:schemeClr val="dk1"/>
+          </a:effectRef>
+          <a:fontRef idx="minor">
+            <a:schemeClr val="tx1"/>
+          </a:fontRef>
+        </p:style>
+      </p:cxnSp>
+      <p:cxnSp>
+        <p:nvCxnSpPr>
+          <p:cNvPr id="18" name="Прямая соединительная линия 17"/>
+          <p:cNvCxnSpPr/>
+          <p:nvPr/>
+        </p:nvCxnSpPr>
+        <p:spPr>
+          <a:xfrm>
+            <a:off x="4783972" y="1990898"/>
+            <a:ext cx="1875904" cy="0"/>
+          </a:xfrm>
+          <a:prstGeom prst="line">
+            <a:avLst/>
+          </a:prstGeom>
+        </p:spPr>
+        <p:style>
+          <a:lnRef idx="1">
+            <a:schemeClr val="dk1"/>
+          </a:lnRef>
+          <a:fillRef idx="0">
+            <a:schemeClr val="dk1"/>
+          </a:fillRef>
+          <a:effectRef idx="0">
+            <a:schemeClr val="dk1"/>
+          </a:effectRef>
+          <a:fontRef idx="minor">
+            <a:schemeClr val="tx1"/>
+          </a:fontRef>
+        </p:style>
+      </p:cxnSp>
+      <p:cxnSp>
+        <p:nvCxnSpPr>
+          <p:cNvPr id="21" name="Прямая соединительная линия 20"/>
+          <p:cNvCxnSpPr/>
+          <p:nvPr/>
+        </p:nvCxnSpPr>
+        <p:spPr>
+          <a:xfrm>
+            <a:off x="6659876" y="1990898"/>
+            <a:ext cx="1" cy="2290153"/>
+          </a:xfrm>
+          <a:prstGeom prst="line">
+            <a:avLst/>
+          </a:prstGeom>
+        </p:spPr>
+        <p:style>
+          <a:lnRef idx="1">
+            <a:schemeClr val="dk1"/>
+          </a:lnRef>
+          <a:fillRef idx="0">
+            <a:schemeClr val="dk1"/>
+          </a:fillRef>
+          <a:effectRef idx="0">
+            <a:schemeClr val="dk1"/>
+          </a:effectRef>
+          <a:fontRef idx="minor">
+            <a:schemeClr val="tx1"/>
+          </a:fontRef>
+        </p:style>
+      </p:cxnSp>
+      <p:cxnSp>
+        <p:nvCxnSpPr>
+          <p:cNvPr id="23" name="Прямая соединительная линия 22"/>
+          <p:cNvCxnSpPr>
+            <a:endCxn id="6" idx="1"/>
+          </p:cNvCxnSpPr>
+          <p:nvPr/>
+        </p:nvCxnSpPr>
+        <p:spPr>
+          <a:xfrm>
+            <a:off x="6483927" y="4281051"/>
+            <a:ext cx="1137456" cy="1"/>
+          </a:xfrm>
+          <a:prstGeom prst="line">
+            <a:avLst/>
+          </a:prstGeom>
+        </p:spPr>
+        <p:style>
+          <a:lnRef idx="1">
+            <a:schemeClr val="dk1"/>
+          </a:lnRef>
+          <a:fillRef idx="0">
+            <a:schemeClr val="dk1"/>
+          </a:fillRef>
+          <a:effectRef idx="0">
+            <a:schemeClr val="dk1"/>
+          </a:effectRef>
+          <a:fontRef idx="minor">
+            <a:schemeClr val="tx1"/>
+          </a:fontRef>
+        </p:style>
+      </p:cxnSp>
+      <p:cxnSp>
+        <p:nvCxnSpPr>
+          <p:cNvPr id="26" name="Прямая соединительная линия 25"/>
+          <p:cNvCxnSpPr>
+            <a:endCxn id="7" idx="3"/>
+          </p:cNvCxnSpPr>
+          <p:nvPr/>
+        </p:nvCxnSpPr>
+        <p:spPr>
+          <a:xfrm flipH="1">
+            <a:off x="5698373" y="4281052"/>
+            <a:ext cx="785555" cy="0"/>
+          </a:xfrm>
+          <a:prstGeom prst="line">
+            <a:avLst/>
+          </a:prstGeom>
+        </p:spPr>
+        <p:style>
+          <a:lnRef idx="1">
+            <a:schemeClr val="dk1"/>
+          </a:lnRef>
+          <a:fillRef idx="0">
+            <a:schemeClr val="dk1"/>
+          </a:fillRef>
+          <a:effectRef idx="0">
+            <a:schemeClr val="dk1"/>
+          </a:effectRef>
+          <a:fontRef idx="minor">
+            <a:schemeClr val="tx1"/>
+          </a:fontRef>
+        </p:style>
+      </p:cxnSp>
+      <p:cxnSp>
+        <p:nvCxnSpPr>
+          <p:cNvPr id="31" name="Прямая соединительная линия 30"/>
+          <p:cNvCxnSpPr/>
+          <p:nvPr/>
+        </p:nvCxnSpPr>
+        <p:spPr>
+          <a:xfrm>
+            <a:off x="6659876" y="3042455"/>
+            <a:ext cx="961504" cy="0"/>
+          </a:xfrm>
+          <a:prstGeom prst="line">
+            <a:avLst/>
+          </a:prstGeom>
+        </p:spPr>
+        <p:style>
+          <a:lnRef idx="1">
+            <a:schemeClr val="dk1"/>
+          </a:lnRef>
+          <a:fillRef idx="0">
+            <a:schemeClr val="dk1"/>
+          </a:fillRef>
+          <a:effectRef idx="0">
+            <a:schemeClr val="dk1"/>
+          </a:effectRef>
+          <a:fontRef idx="minor">
+            <a:schemeClr val="tx1"/>
+          </a:fontRef>
+        </p:style>
+      </p:cxnSp>
+      <p:cxnSp>
+        <p:nvCxnSpPr>
+          <p:cNvPr id="34" name="Прямая соединительная линия 33"/>
+          <p:cNvCxnSpPr/>
+          <p:nvPr/>
+        </p:nvCxnSpPr>
+        <p:spPr>
+          <a:xfrm>
+            <a:off x="8535783" y="2094805"/>
+            <a:ext cx="1215046" cy="0"/>
+          </a:xfrm>
+          <a:prstGeom prst="line">
+            <a:avLst/>
+          </a:prstGeom>
+        </p:spPr>
+        <p:style>
+          <a:lnRef idx="1">
+            <a:schemeClr val="dk1"/>
+          </a:lnRef>
+          <a:fillRef idx="0">
+            <a:schemeClr val="dk1"/>
+          </a:fillRef>
+          <a:effectRef idx="0">
+            <a:schemeClr val="dk1"/>
+          </a:effectRef>
+          <a:fontRef idx="minor">
+            <a:schemeClr val="tx1"/>
+          </a:fontRef>
+        </p:style>
+      </p:cxnSp>
+      <p:cxnSp>
+        <p:nvCxnSpPr>
+          <p:cNvPr id="37" name="Прямая соединительная линия 36"/>
+          <p:cNvCxnSpPr/>
+          <p:nvPr/>
+        </p:nvCxnSpPr>
+        <p:spPr>
+          <a:xfrm flipH="1">
+            <a:off x="9750829" y="2094805"/>
+            <a:ext cx="2" cy="2294315"/>
+          </a:xfrm>
+          <a:prstGeom prst="line">
+            <a:avLst/>
+          </a:prstGeom>
+        </p:spPr>
+        <p:style>
+          <a:lnRef idx="1">
+            <a:schemeClr val="dk1"/>
+          </a:lnRef>
+          <a:fillRef idx="0">
+            <a:schemeClr val="dk1"/>
+          </a:fillRef>
+          <a:effectRef idx="0">
+            <a:schemeClr val="dk1"/>
+          </a:effectRef>
+          <a:fontRef idx="minor">
+            <a:schemeClr val="tx1"/>
+          </a:fontRef>
+        </p:style>
+      </p:cxnSp>
+      <p:cxnSp>
+        <p:nvCxnSpPr>
+          <p:cNvPr id="40" name="Прямая соединительная линия 39"/>
+          <p:cNvCxnSpPr/>
+          <p:nvPr/>
+        </p:nvCxnSpPr>
+        <p:spPr>
+          <a:xfrm>
+            <a:off x="9450184" y="4372493"/>
+            <a:ext cx="300645" cy="6929"/>
+          </a:xfrm>
+          <a:prstGeom prst="line">
+            <a:avLst/>
+          </a:prstGeom>
+        </p:spPr>
+        <p:style>
+          <a:lnRef idx="1">
+            <a:schemeClr val="dk1"/>
+          </a:lnRef>
+          <a:fillRef idx="0">
+            <a:schemeClr val="dk1"/>
+          </a:fillRef>
+          <a:effectRef idx="0">
+            <a:schemeClr val="dk1"/>
+          </a:effectRef>
+          <a:fontRef idx="minor">
+            <a:schemeClr val="tx1"/>
+          </a:fontRef>
+        </p:style>
+      </p:cxnSp>
+    </p:spTree>
+    <p:extLst>
+      <p:ext uri="{BB962C8B-B14F-4D97-AF65-F5344CB8AC3E}">
+        <p14:creationId xmlns:p14="http://schemas.microsoft.com/office/powerpoint/2010/main" val="3774224918"/>
       </p:ext>
     </p:extLst>
   </p:cSld>
